--- a/Samyak_Dahale_Air BNB Hotel Booking Analysis Project PPT.pptx
+++ b/Samyak_Dahale_Air BNB Hotel Booking Analysis Project PPT.pptx
@@ -16125,7 +16125,34 @@
                   <a:schemeClr val="tx1"/>
                 </a:solidFill>
               </a:rPr>
-              <a:t>Samyak Shitalchand Dahale ID:- AICTE_VOIS OL 4001-6727-906 </a:t>
+              <a:t>Samyak Shitalchand </a:t>
+            </a:r>
+            <a:r>
+              <a:rPr lang="en-US" sz="2400" b="0">
+                <a:solidFill>
+                  <a:schemeClr val="tx1"/>
+                </a:solidFill>
+              </a:rPr>
+              <a:t>Dahale </a:t>
+            </a:r>
+          </a:p>
+          <a:p>
+            <a:pPr algn="r"/>
+            <a:r>
+              <a:rPr lang="en-US" sz="2400" b="0">
+                <a:solidFill>
+                  <a:schemeClr val="tx1"/>
+                </a:solidFill>
+              </a:rPr>
+              <a:t>ID</a:t>
+            </a:r>
+            <a:r>
+              <a:rPr lang="en-US" sz="2400" b="0" dirty="0">
+                <a:solidFill>
+                  <a:schemeClr val="tx1"/>
+                </a:solidFill>
+              </a:rPr>
+              <a:t>:- AICTE_VOIS OL 4001-6727-906 </a:t>
             </a:r>
             <a:endParaRPr lang="en-IN" sz="2400" b="0" dirty="0">
               <a:solidFill>
@@ -16153,7 +16180,7 @@
         </p:nvSpPr>
         <p:spPr>
           <a:xfrm>
-            <a:off x="5213110" y="1182427"/>
+            <a:off x="5427118" y="1182427"/>
             <a:ext cx="5687539" cy="1368324"/>
           </a:xfrm>
         </p:spPr>
@@ -16943,6 +16970,67 @@
                       </p:childTnLst>
                     </p:cTn>
                   </p:par>
+                  <p:par>
+                    <p:cTn id="33" fill="hold">
+                      <p:stCondLst>
+                        <p:cond delay="indefinite"/>
+                      </p:stCondLst>
+                      <p:childTnLst>
+                        <p:par>
+                          <p:cTn id="34" fill="hold">
+                            <p:stCondLst>
+                              <p:cond delay="0"/>
+                            </p:stCondLst>
+                            <p:childTnLst>
+                              <p:par>
+                                <p:cTn id="35" presetID="14" presetClass="entr" presetSubtype="10" fill="hold" grpId="0" nodeType="clickEffect">
+                                  <p:stCondLst>
+                                    <p:cond delay="0"/>
+                                  </p:stCondLst>
+                                  <p:childTnLst>
+                                    <p:set>
+                                      <p:cBhvr>
+                                        <p:cTn id="36" dur="1" fill="hold">
+                                          <p:stCondLst>
+                                            <p:cond delay="0"/>
+                                          </p:stCondLst>
+                                        </p:cTn>
+                                        <p:tgtEl>
+                                          <p:spTgt spid="2">
+                                            <p:txEl>
+                                              <p:pRg st="1" end="1"/>
+                                            </p:txEl>
+                                          </p:spTgt>
+                                        </p:tgtEl>
+                                        <p:attrNameLst>
+                                          <p:attrName>style.visibility</p:attrName>
+                                        </p:attrNameLst>
+                                      </p:cBhvr>
+                                      <p:to>
+                                        <p:strVal val="visible"/>
+                                      </p:to>
+                                    </p:set>
+                                    <p:animEffect transition="in" filter="randombar(horizontal)">
+                                      <p:cBhvr>
+                                        <p:cTn id="37" dur="500"/>
+                                        <p:tgtEl>
+                                          <p:spTgt spid="2">
+                                            <p:txEl>
+                                              <p:pRg st="1" end="1"/>
+                                            </p:txEl>
+                                          </p:spTgt>
+                                        </p:tgtEl>
+                                      </p:cBhvr>
+                                    </p:animEffect>
+                                  </p:childTnLst>
+                                </p:cTn>
+                              </p:par>
+                            </p:childTnLst>
+                          </p:cTn>
+                        </p:par>
+                      </p:childTnLst>
+                    </p:cTn>
+                  </p:par>
                 </p:childTnLst>
               </p:cTn>
               <p:prevCondLst>
@@ -17318,133 +17406,6 @@
       </p:sp>
       <p:sp>
         <p:nvSpPr>
-          <p:cNvPr id="9" name="Title 3">
-            <a:extLst>
-              <a:ext uri="{FF2B5EF4-FFF2-40B4-BE49-F238E27FC236}">
-                <a16:creationId xmlns:a16="http://schemas.microsoft.com/office/drawing/2014/main" id="{4E6ED231-AB91-2C33-0439-AEAC41FE728F}"/>
-              </a:ext>
-            </a:extLst>
-          </p:cNvPr>
-          <p:cNvSpPr txBox="1">
-            <a:spLocks/>
-          </p:cNvSpPr>
-          <p:nvPr/>
-        </p:nvSpPr>
-        <p:spPr>
-          <a:xfrm>
-            <a:off x="422959" y="5737443"/>
-            <a:ext cx="2981643" cy="830997"/>
-          </a:xfrm>
-          <a:prstGeom prst="rect">
-            <a:avLst/>
-          </a:prstGeom>
-        </p:spPr>
-        <p:txBody>
-          <a:bodyPr vert="horz" lIns="91440" tIns="45720" rIns="91440" bIns="45720" rtlCol="0" anchor="t">
-            <a:normAutofit/>
-          </a:bodyPr>
-          <a:lstStyle>
-            <a:lvl1pPr algn="l" defTabSz="457200" rtl="0" eaLnBrk="1" latinLnBrk="0" hangingPunct="1">
-              <a:spcBef>
-                <a:spcPct val="0"/>
-              </a:spcBef>
-              <a:buNone/>
-              <a:defRPr sz="4800" b="1" kern="1200">
-                <a:solidFill>
-                  <a:schemeClr val="tx1"/>
-                </a:solidFill>
-                <a:latin typeface="+mj-lt"/>
-                <a:ea typeface="+mj-ea"/>
-                <a:cs typeface="+mj-cs"/>
-              </a:defRPr>
-            </a:lvl1pPr>
-            <a:lvl2pPr eaLnBrk="1" hangingPunct="1">
-              <a:defRPr>
-                <a:solidFill>
-                  <a:schemeClr val="tx2"/>
-                </a:solidFill>
-              </a:defRPr>
-            </a:lvl2pPr>
-            <a:lvl3pPr eaLnBrk="1" hangingPunct="1">
-              <a:defRPr>
-                <a:solidFill>
-                  <a:schemeClr val="tx2"/>
-                </a:solidFill>
-              </a:defRPr>
-            </a:lvl3pPr>
-            <a:lvl4pPr eaLnBrk="1" hangingPunct="1">
-              <a:defRPr>
-                <a:solidFill>
-                  <a:schemeClr val="tx2"/>
-                </a:solidFill>
-              </a:defRPr>
-            </a:lvl4pPr>
-            <a:lvl5pPr eaLnBrk="1" hangingPunct="1">
-              <a:defRPr>
-                <a:solidFill>
-                  <a:schemeClr val="tx2"/>
-                </a:solidFill>
-              </a:defRPr>
-            </a:lvl5pPr>
-            <a:lvl6pPr eaLnBrk="1" hangingPunct="1">
-              <a:defRPr>
-                <a:solidFill>
-                  <a:schemeClr val="tx2"/>
-                </a:solidFill>
-              </a:defRPr>
-            </a:lvl6pPr>
-            <a:lvl7pPr eaLnBrk="1" hangingPunct="1">
-              <a:defRPr>
-                <a:solidFill>
-                  <a:schemeClr val="tx2"/>
-                </a:solidFill>
-              </a:defRPr>
-            </a:lvl7pPr>
-            <a:lvl8pPr eaLnBrk="1" hangingPunct="1">
-              <a:defRPr>
-                <a:solidFill>
-                  <a:schemeClr val="tx2"/>
-                </a:solidFill>
-              </a:defRPr>
-            </a:lvl8pPr>
-            <a:lvl9pPr eaLnBrk="1" hangingPunct="1">
-              <a:defRPr>
-                <a:solidFill>
-                  <a:schemeClr val="tx2"/>
-                </a:solidFill>
-              </a:defRPr>
-            </a:lvl9pPr>
-          </a:lstStyle>
-          <a:p>
-            <a:r>
-              <a:rPr lang="en-GB" dirty="0"/>
-              <a:t> </a:t>
-            </a:r>
-            <a:r>
-              <a:rPr lang="en-GB" sz="2000" b="0" u="sng" dirty="0">
-                <a:solidFill>
-                  <a:srgbClr val="0070C0"/>
-                </a:solidFill>
-                <a:hlinkClick r:id="rId3" action="ppaction://hlinkfile">
-                  <a:extLst>
-                    <a:ext uri="{A12FA001-AC4F-418D-AE19-62706E023703}">
-                      <ahyp:hlinkClr xmlns:ahyp="http://schemas.microsoft.com/office/drawing/2018/hyperlinkcolor" val="tx"/>
-                    </a:ext>
-                  </a:extLst>
-                </a:hlinkClick>
-              </a:rPr>
-              <a:t>Demo Link</a:t>
-            </a:r>
-            <a:endParaRPr lang="en-IN" b="0" u="sng" dirty="0">
-              <a:solidFill>
-                <a:srgbClr val="0070C0"/>
-              </a:solidFill>
-            </a:endParaRPr>
-          </a:p>
-        </p:txBody>
-      </p:sp>
-      <p:sp>
-        <p:nvSpPr>
           <p:cNvPr id="10" name="Text Placeholder 1">
             <a:extLst>
               <a:ext uri="{FF2B5EF4-FFF2-40B4-BE49-F238E27FC236}">
@@ -17475,48 +17436,38 @@
               <a:buNone/>
             </a:pPr>
             <a:r>
-              <a:rPr lang="en-US" dirty="0"/>
-              <a:t>[Add the working </a:t>
-            </a:r>
-            <a:r>
-              <a:rPr lang="en-US" dirty="0" err="1"/>
-              <a:t>url</a:t>
-            </a:r>
-            <a:r>
-              <a:rPr lang="en-US" dirty="0"/>
-              <a:t> of your </a:t>
-            </a:r>
-            <a:r>
-              <a:rPr lang="en-US" dirty="0" err="1"/>
-              <a:t>github</a:t>
-            </a:r>
-            <a:r>
-              <a:rPr lang="en-US" dirty="0"/>
-              <a:t> repository ]  </a:t>
+              <a:rPr lang="en-US" dirty="0">
+                <a:solidFill>
+                  <a:schemeClr val="tx1"/>
+                </a:solidFill>
+              </a:rPr>
+              <a:t>https://github.com/SamyakDahale/VOIS_AICTE_Oct2025_SamyakDahale.git</a:t>
             </a:r>
           </a:p>
           <a:p>
             <a:pPr marL="0" indent="0">
               <a:buNone/>
             </a:pPr>
-            <a:endParaRPr lang="en-US" dirty="0"/>
-          </a:p>
-          <a:p>
-            <a:pPr marL="0" indent="0">
-              <a:buNone/>
-            </a:pPr>
             <a:r>
-              <a:rPr lang="en-US" dirty="0"/>
-              <a:t>Create </a:t>
+              <a:rPr lang="en-US" dirty="0">
+                <a:solidFill>
+                  <a:srgbClr val="FF0000"/>
+                </a:solidFill>
+                <a:hlinkClick r:id="rId3">
+                  <a:extLst>
+                    <a:ext uri="{A12FA001-AC4F-418D-AE19-62706E023703}">
+                      <ahyp:hlinkClr xmlns:ahyp="http://schemas.microsoft.com/office/drawing/2018/hyperlinkcolor" val="tx"/>
+                    </a:ext>
+                  </a:extLst>
+                </a:hlinkClick>
+              </a:rPr>
+              <a:t>Link</a:t>
             </a:r>
-            <a:r>
-              <a:rPr lang="en-US" dirty="0" err="1"/>
-              <a:t>github</a:t>
-            </a:r>
-            <a:r>
-              <a:rPr lang="en-US" dirty="0"/>
-              <a:t> repository with format VOIS_AICTE_Oct2025_YourName  </a:t>
-            </a:r>
+            <a:endParaRPr lang="en-US" dirty="0">
+              <a:solidFill>
+                <a:srgbClr val="FF0000"/>
+              </a:solidFill>
+            </a:endParaRPr>
           </a:p>
         </p:txBody>
       </p:sp>
@@ -17884,7 +17835,7 @@
                                         <p:tgtEl>
                                           <p:spTgt spid="10">
                                             <p:txEl>
-                                              <p:pRg st="2" end="2"/>
+                                              <p:pRg st="1" end="1"/>
                                             </p:txEl>
                                           </p:spTgt>
                                         </p:tgtEl>
@@ -17902,7 +17853,7 @@
                                         <p:tgtEl>
                                           <p:spTgt spid="10">
                                             <p:txEl>
-                                              <p:pRg st="2" end="2"/>
+                                              <p:pRg st="1" end="1"/>
                                             </p:txEl>
                                           </p:spTgt>
                                         </p:tgtEl>
@@ -17914,7 +17865,7 @@
                                         <p:tgtEl>
                                           <p:spTgt spid="10">
                                             <p:txEl>
-                                              <p:pRg st="2" end="2"/>
+                                              <p:pRg st="1" end="1"/>
                                             </p:txEl>
                                           </p:spTgt>
                                         </p:tgtEl>
@@ -17941,7 +17892,7 @@
                                         <p:tgtEl>
                                           <p:spTgt spid="10">
                                             <p:txEl>
-                                              <p:pRg st="2" end="2"/>
+                                              <p:pRg st="1" end="1"/>
                                             </p:txEl>
                                           </p:spTgt>
                                         </p:tgtEl>
@@ -22973,13 +22924,13 @@
         </p:nvSpPr>
         <p:spPr>
           <a:xfrm>
-            <a:off x="660399" y="805213"/>
+            <a:off x="319931" y="289647"/>
             <a:ext cx="6276109" cy="830997"/>
           </a:xfrm>
         </p:spPr>
         <p:txBody>
           <a:bodyPr>
-            <a:normAutofit fontScale="90000"/>
+            <a:normAutofit/>
           </a:bodyPr>
           <a:lstStyle/>
           <a:p>
@@ -22987,16 +22938,6 @@
               <a:rPr lang="en-GB" dirty="0"/>
               <a:t>Project Description</a:t>
             </a:r>
-            <a:br>
-              <a:rPr lang="en-GB" dirty="0"/>
-            </a:br>
-            <a:r>
-              <a:rPr lang="en-GB" dirty="0"/>
-              <a:t>[write detail description about your project ] </a:t>
-            </a:r>
-            <a:br>
-              <a:rPr lang="en-GB" dirty="0"/>
-            </a:br>
             <a:endParaRPr lang="en-IN" dirty="0"/>
           </a:p>
         </p:txBody>
@@ -23060,6 +23001,483 @@
           </a:prstGeom>
         </p:spPr>
       </p:pic>
+      <p:sp>
+        <p:nvSpPr>
+          <p:cNvPr id="4" name="Rectangle 1">
+            <a:extLst>
+              <a:ext uri="{FF2B5EF4-FFF2-40B4-BE49-F238E27FC236}">
+                <a16:creationId xmlns:a16="http://schemas.microsoft.com/office/drawing/2014/main" id="{AB5694E9-2642-8B81-D2FC-9A9FA87C1CB6}"/>
+              </a:ext>
+            </a:extLst>
+          </p:cNvPr>
+          <p:cNvSpPr>
+            <a:spLocks noChangeArrowheads="1"/>
+          </p:cNvSpPr>
+          <p:nvPr/>
+        </p:nvSpPr>
+        <p:spPr bwMode="auto">
+          <a:xfrm>
+            <a:off x="675957" y="1439563"/>
+            <a:ext cx="9027267" cy="4651979"/>
+          </a:xfrm>
+          <a:prstGeom prst="rect">
+            <a:avLst/>
+          </a:prstGeom>
+          <a:noFill/>
+          <a:ln>
+            <a:noFill/>
+          </a:ln>
+          <a:effectLst/>
+          <a:extLst>
+            <a:ext uri="{909E8E84-426E-40DD-AFC4-6F175D3DCCD1}">
+              <a14:hiddenFill xmlns:a14="http://schemas.microsoft.com/office/drawing/2010/main">
+                <a:solidFill>
+                  <a:schemeClr val="accent1"/>
+                </a:solidFill>
+              </a14:hiddenFill>
+            </a:ext>
+            <a:ext uri="{91240B29-F687-4F45-9708-019B960494DF}">
+              <a14:hiddenLine xmlns:a14="http://schemas.microsoft.com/office/drawing/2010/main" w="9525">
+                <a:solidFill>
+                  <a:schemeClr val="tx1"/>
+                </a:solidFill>
+                <a:miter lim="800000"/>
+                <a:headEnd/>
+                <a:tailEnd/>
+              </a14:hiddenLine>
+            </a:ext>
+            <a:ext uri="{AF507438-7753-43E0-B8FC-AC1667EBCBE1}">
+              <a14:hiddenEffects xmlns:a14="http://schemas.microsoft.com/office/drawing/2010/main">
+                <a:effectLst>
+                  <a:outerShdw dist="35921" dir="2700000" algn="ctr" rotWithShape="0">
+                    <a:schemeClr val="bg2"/>
+                  </a:outerShdw>
+                </a:effectLst>
+              </a14:hiddenEffects>
+            </a:ext>
+          </a:extLst>
+        </p:spPr>
+        <p:txBody>
+          <a:bodyPr vert="horz" wrap="square" lIns="91440" tIns="45720" rIns="91440" bIns="45720" numCol="1" anchor="ctr" anchorCtr="0" compatLnSpc="1">
+            <a:prstTxWarp prst="textNoShape">
+              <a:avLst/>
+            </a:prstTxWarp>
+            <a:spAutoFit/>
+          </a:bodyPr>
+          <a:lstStyle/>
+          <a:p>
+            <a:pPr marL="285750" marR="0" lvl="0" indent="-285750" algn="l" defTabSz="914400" rtl="0" eaLnBrk="0" fontAlgn="base" latinLnBrk="0" hangingPunct="0">
+              <a:lnSpc>
+                <a:spcPct val="150000"/>
+              </a:lnSpc>
+              <a:spcBef>
+                <a:spcPct val="0"/>
+              </a:spcBef>
+              <a:spcAft>
+                <a:spcPct val="0"/>
+              </a:spcAft>
+              <a:buClrTx/>
+              <a:buSzTx/>
+              <a:buFont typeface="Wingdings" panose="05000000000000000000" pitchFamily="2" charset="2"/>
+              <a:buChar char="v"/>
+              <a:tabLst/>
+            </a:pPr>
+            <a:r>
+              <a:rPr kumimoji="0" lang="en-US" altLang="en-US" sz="2000" b="0" i="0" u="none" strike="noStrike" cap="none" normalizeH="0" baseline="0" dirty="0">
+                <a:ln>
+                  <a:noFill/>
+                </a:ln>
+                <a:solidFill>
+                  <a:schemeClr val="tx1"/>
+                </a:solidFill>
+                <a:effectLst/>
+                <a:latin typeface="Arial" panose="020B0604020202020204" pitchFamily="34" charset="0"/>
+              </a:rPr>
+              <a:t>Used the </a:t>
+            </a:r>
+            <a:r>
+              <a:rPr kumimoji="0" lang="en-US" altLang="en-US" sz="2000" b="1" i="0" u="none" strike="noStrike" cap="none" normalizeH="0" baseline="0" dirty="0">
+                <a:ln>
+                  <a:noFill/>
+                </a:ln>
+                <a:solidFill>
+                  <a:schemeClr val="tx1"/>
+                </a:solidFill>
+                <a:effectLst/>
+                <a:latin typeface="Arial" panose="020B0604020202020204" pitchFamily="34" charset="0"/>
+              </a:rPr>
+              <a:t>Airbnb NYC dataset</a:t>
+            </a:r>
+            <a:r>
+              <a:rPr kumimoji="0" lang="en-US" altLang="en-US" sz="2000" b="0" i="0" u="none" strike="noStrike" cap="none" normalizeH="0" baseline="0" dirty="0">
+                <a:ln>
+                  <a:noFill/>
+                </a:ln>
+                <a:solidFill>
+                  <a:schemeClr val="tx1"/>
+                </a:solidFill>
+                <a:effectLst/>
+                <a:latin typeface="Arial" panose="020B0604020202020204" pitchFamily="34" charset="0"/>
+              </a:rPr>
+              <a:t> to study listings, prices, and availability.</a:t>
+            </a:r>
+          </a:p>
+          <a:p>
+            <a:pPr marL="285750" marR="0" lvl="0" indent="-285750" algn="l" defTabSz="914400" rtl="0" eaLnBrk="0" fontAlgn="base" latinLnBrk="0" hangingPunct="0">
+              <a:lnSpc>
+                <a:spcPct val="150000"/>
+              </a:lnSpc>
+              <a:spcBef>
+                <a:spcPct val="0"/>
+              </a:spcBef>
+              <a:spcAft>
+                <a:spcPct val="0"/>
+              </a:spcAft>
+              <a:buClrTx/>
+              <a:buSzTx/>
+              <a:buFont typeface="Wingdings" panose="05000000000000000000" pitchFamily="2" charset="2"/>
+              <a:buChar char="v"/>
+              <a:tabLst/>
+            </a:pPr>
+            <a:r>
+              <a:rPr kumimoji="0" lang="en-US" altLang="en-US" sz="2000" b="0" i="0" u="none" strike="noStrike" cap="none" normalizeH="0" baseline="0" dirty="0">
+                <a:ln>
+                  <a:noFill/>
+                </a:ln>
+                <a:solidFill>
+                  <a:schemeClr val="tx1"/>
+                </a:solidFill>
+                <a:effectLst/>
+                <a:latin typeface="Arial" panose="020B0604020202020204" pitchFamily="34" charset="0"/>
+              </a:rPr>
+              <a:t>Cleaned the data by removing </a:t>
+            </a:r>
+            <a:r>
+              <a:rPr kumimoji="0" lang="en-US" altLang="en-US" sz="2000" b="1" i="0" u="none" strike="noStrike" cap="none" normalizeH="0" baseline="0" dirty="0">
+                <a:ln>
+                  <a:noFill/>
+                </a:ln>
+                <a:solidFill>
+                  <a:schemeClr val="tx1"/>
+                </a:solidFill>
+                <a:effectLst/>
+                <a:latin typeface="Arial" panose="020B0604020202020204" pitchFamily="34" charset="0"/>
+              </a:rPr>
+              <a:t>missing and duplicate records</a:t>
+            </a:r>
+            <a:r>
+              <a:rPr kumimoji="0" lang="en-US" altLang="en-US" sz="2000" b="0" i="0" u="none" strike="noStrike" cap="none" normalizeH="0" baseline="0" dirty="0">
+                <a:ln>
+                  <a:noFill/>
+                </a:ln>
+                <a:solidFill>
+                  <a:schemeClr val="tx1"/>
+                </a:solidFill>
+                <a:effectLst/>
+                <a:latin typeface="Arial" panose="020B0604020202020204" pitchFamily="34" charset="0"/>
+              </a:rPr>
+              <a:t>.</a:t>
+            </a:r>
+          </a:p>
+          <a:p>
+            <a:pPr marL="285750" marR="0" lvl="0" indent="-285750" algn="l" defTabSz="914400" rtl="0" eaLnBrk="0" fontAlgn="base" latinLnBrk="0" hangingPunct="0">
+              <a:lnSpc>
+                <a:spcPct val="150000"/>
+              </a:lnSpc>
+              <a:spcBef>
+                <a:spcPct val="0"/>
+              </a:spcBef>
+              <a:spcAft>
+                <a:spcPct val="0"/>
+              </a:spcAft>
+              <a:buClrTx/>
+              <a:buSzTx/>
+              <a:buFont typeface="Wingdings" panose="05000000000000000000" pitchFamily="2" charset="2"/>
+              <a:buChar char="v"/>
+              <a:tabLst/>
+            </a:pPr>
+            <a:r>
+              <a:rPr kumimoji="0" lang="en-US" altLang="en-US" sz="2000" b="0" i="0" u="none" strike="noStrike" cap="none" normalizeH="0" baseline="0" dirty="0">
+                <a:ln>
+                  <a:noFill/>
+                </a:ln>
+                <a:solidFill>
+                  <a:schemeClr val="tx1"/>
+                </a:solidFill>
+                <a:effectLst/>
+                <a:latin typeface="Arial" panose="020B0604020202020204" pitchFamily="34" charset="0"/>
+              </a:rPr>
+              <a:t>Performed </a:t>
+            </a:r>
+            <a:r>
+              <a:rPr kumimoji="0" lang="en-US" altLang="en-US" sz="2000" b="1" i="0" u="none" strike="noStrike" cap="none" normalizeH="0" baseline="0" dirty="0">
+                <a:ln>
+                  <a:noFill/>
+                </a:ln>
+                <a:solidFill>
+                  <a:schemeClr val="tx1"/>
+                </a:solidFill>
+                <a:effectLst/>
+                <a:latin typeface="Arial" panose="020B0604020202020204" pitchFamily="34" charset="0"/>
+              </a:rPr>
+              <a:t>exploratory analysis</a:t>
+            </a:r>
+            <a:r>
+              <a:rPr kumimoji="0" lang="en-US" altLang="en-US" sz="2000" b="0" i="0" u="none" strike="noStrike" cap="none" normalizeH="0" baseline="0" dirty="0">
+                <a:ln>
+                  <a:noFill/>
+                </a:ln>
+                <a:solidFill>
+                  <a:schemeClr val="tx1"/>
+                </a:solidFill>
+                <a:effectLst/>
+                <a:latin typeface="Arial" panose="020B0604020202020204" pitchFamily="34" charset="0"/>
+              </a:rPr>
+              <a:t> to find key patterns and trends.</a:t>
+            </a:r>
+          </a:p>
+          <a:p>
+            <a:pPr marL="285750" marR="0" lvl="0" indent="-285750" algn="l" defTabSz="914400" rtl="0" eaLnBrk="0" fontAlgn="base" latinLnBrk="0" hangingPunct="0">
+              <a:lnSpc>
+                <a:spcPct val="150000"/>
+              </a:lnSpc>
+              <a:spcBef>
+                <a:spcPct val="0"/>
+              </a:spcBef>
+              <a:spcAft>
+                <a:spcPct val="0"/>
+              </a:spcAft>
+              <a:buClrTx/>
+              <a:buSzTx/>
+              <a:buFont typeface="Wingdings" panose="05000000000000000000" pitchFamily="2" charset="2"/>
+              <a:buChar char="v"/>
+              <a:tabLst/>
+            </a:pPr>
+            <a:r>
+              <a:rPr kumimoji="0" lang="en-US" altLang="en-US" sz="2000" b="0" i="0" u="none" strike="noStrike" cap="none" normalizeH="0" baseline="0" dirty="0">
+                <a:ln>
+                  <a:noFill/>
+                </a:ln>
+                <a:solidFill>
+                  <a:schemeClr val="tx1"/>
+                </a:solidFill>
+                <a:effectLst/>
+                <a:latin typeface="Arial" panose="020B0604020202020204" pitchFamily="34" charset="0"/>
+              </a:rPr>
+              <a:t>Visualized insights on </a:t>
+            </a:r>
+            <a:r>
+              <a:rPr kumimoji="0" lang="en-US" altLang="en-US" sz="2000" b="1" i="0" u="none" strike="noStrike" cap="none" normalizeH="0" baseline="0" dirty="0">
+                <a:ln>
+                  <a:noFill/>
+                </a:ln>
+                <a:solidFill>
+                  <a:schemeClr val="tx1"/>
+                </a:solidFill>
+                <a:effectLst/>
+                <a:latin typeface="Arial" panose="020B0604020202020204" pitchFamily="34" charset="0"/>
+              </a:rPr>
+              <a:t>pricing, location, and host activity</a:t>
+            </a:r>
+            <a:r>
+              <a:rPr kumimoji="0" lang="en-US" altLang="en-US" sz="2000" b="0" i="0" u="none" strike="noStrike" cap="none" normalizeH="0" baseline="0" dirty="0">
+                <a:ln>
+                  <a:noFill/>
+                </a:ln>
+                <a:solidFill>
+                  <a:schemeClr val="tx1"/>
+                </a:solidFill>
+                <a:effectLst/>
+                <a:latin typeface="Arial" panose="020B0604020202020204" pitchFamily="34" charset="0"/>
+              </a:rPr>
+              <a:t> using Python tools.</a:t>
+            </a:r>
+          </a:p>
+          <a:p>
+            <a:pPr marL="285750" marR="0" lvl="0" indent="-285750" algn="l" defTabSz="914400" rtl="0" eaLnBrk="0" fontAlgn="base" latinLnBrk="0" hangingPunct="0">
+              <a:lnSpc>
+                <a:spcPct val="150000"/>
+              </a:lnSpc>
+              <a:spcBef>
+                <a:spcPct val="0"/>
+              </a:spcBef>
+              <a:spcAft>
+                <a:spcPct val="0"/>
+              </a:spcAft>
+              <a:buClrTx/>
+              <a:buSzTx/>
+              <a:buFont typeface="Wingdings" panose="05000000000000000000" pitchFamily="2" charset="2"/>
+              <a:buChar char="v"/>
+              <a:tabLst/>
+            </a:pPr>
+            <a:r>
+              <a:rPr kumimoji="0" lang="en-US" altLang="en-US" sz="2000" b="0" i="0" u="none" strike="noStrike" cap="none" normalizeH="0" baseline="0" dirty="0">
+                <a:ln>
+                  <a:noFill/>
+                </a:ln>
+                <a:solidFill>
+                  <a:schemeClr val="tx1"/>
+                </a:solidFill>
+                <a:effectLst/>
+                <a:latin typeface="Arial" panose="020B0604020202020204" pitchFamily="34" charset="0"/>
+              </a:rPr>
+              <a:t>Explored what affects </a:t>
+            </a:r>
+            <a:r>
+              <a:rPr kumimoji="0" lang="en-US" altLang="en-US" sz="2000" b="1" i="0" u="none" strike="noStrike" cap="none" normalizeH="0" baseline="0" dirty="0">
+                <a:ln>
+                  <a:noFill/>
+                </a:ln>
+                <a:solidFill>
+                  <a:schemeClr val="tx1"/>
+                </a:solidFill>
+                <a:effectLst/>
+                <a:latin typeface="Arial" panose="020B0604020202020204" pitchFamily="34" charset="0"/>
+              </a:rPr>
+              <a:t>customer satisfaction and demand</a:t>
+            </a:r>
+            <a:r>
+              <a:rPr kumimoji="0" lang="en-US" altLang="en-US" sz="2000" b="0" i="0" u="none" strike="noStrike" cap="none" normalizeH="0" baseline="0" dirty="0">
+                <a:ln>
+                  <a:noFill/>
+                </a:ln>
+                <a:solidFill>
+                  <a:schemeClr val="tx1"/>
+                </a:solidFill>
+                <a:effectLst/>
+                <a:latin typeface="Arial" panose="020B0604020202020204" pitchFamily="34" charset="0"/>
+              </a:rPr>
+              <a:t>.</a:t>
+            </a:r>
+          </a:p>
+          <a:p>
+            <a:pPr marL="285750" marR="0" lvl="0" indent="-285750" algn="l" defTabSz="914400" rtl="0" eaLnBrk="0" fontAlgn="base" latinLnBrk="0" hangingPunct="0">
+              <a:lnSpc>
+                <a:spcPct val="150000"/>
+              </a:lnSpc>
+              <a:spcBef>
+                <a:spcPct val="0"/>
+              </a:spcBef>
+              <a:spcAft>
+                <a:spcPct val="0"/>
+              </a:spcAft>
+              <a:buClrTx/>
+              <a:buSzTx/>
+              <a:buFont typeface="Wingdings" panose="05000000000000000000" pitchFamily="2" charset="2"/>
+              <a:buChar char="v"/>
+              <a:tabLst/>
+            </a:pPr>
+            <a:r>
+              <a:rPr kumimoji="0" lang="en-US" altLang="en-US" sz="2000" b="0" i="0" u="none" strike="noStrike" cap="none" normalizeH="0" baseline="0" dirty="0">
+                <a:ln>
+                  <a:noFill/>
+                </a:ln>
+                <a:solidFill>
+                  <a:schemeClr val="tx1"/>
+                </a:solidFill>
+                <a:effectLst/>
+                <a:latin typeface="Arial" panose="020B0604020202020204" pitchFamily="34" charset="0"/>
+              </a:rPr>
+              <a:t>Shared </a:t>
+            </a:r>
+            <a:r>
+              <a:rPr kumimoji="0" lang="en-US" altLang="en-US" sz="2000" b="1" i="0" u="none" strike="noStrike" cap="none" normalizeH="0" baseline="0" dirty="0">
+                <a:ln>
+                  <a:noFill/>
+                </a:ln>
+                <a:solidFill>
+                  <a:schemeClr val="tx1"/>
+                </a:solidFill>
+                <a:effectLst/>
+                <a:latin typeface="Arial" panose="020B0604020202020204" pitchFamily="34" charset="0"/>
+              </a:rPr>
+              <a:t>useful insights</a:t>
+            </a:r>
+            <a:r>
+              <a:rPr kumimoji="0" lang="en-US" altLang="en-US" sz="2000" b="0" i="0" u="none" strike="noStrike" cap="none" normalizeH="0" baseline="0" dirty="0">
+                <a:ln>
+                  <a:noFill/>
+                </a:ln>
+                <a:solidFill>
+                  <a:schemeClr val="tx1"/>
+                </a:solidFill>
+                <a:effectLst/>
+                <a:latin typeface="Arial" panose="020B0604020202020204" pitchFamily="34" charset="0"/>
+              </a:rPr>
+              <a:t> to help hosts, guests, and stakeholders make better decisions.</a:t>
+            </a:r>
+          </a:p>
+          <a:p>
+            <a:pPr marL="285750" marR="0" lvl="0" indent="-285750" algn="l" defTabSz="914400" rtl="0" eaLnBrk="0" fontAlgn="base" latinLnBrk="0" hangingPunct="0">
+              <a:lnSpc>
+                <a:spcPct val="150000"/>
+              </a:lnSpc>
+              <a:spcBef>
+                <a:spcPct val="0"/>
+              </a:spcBef>
+              <a:spcAft>
+                <a:spcPct val="0"/>
+              </a:spcAft>
+              <a:buClrTx/>
+              <a:buSzTx/>
+              <a:buFont typeface="Wingdings" panose="05000000000000000000" pitchFamily="2" charset="2"/>
+              <a:buChar char="v"/>
+              <a:tabLst/>
+            </a:pPr>
+            <a:endParaRPr lang="en-US" altLang="en-US" sz="2000" dirty="0">
+              <a:latin typeface="Arial" panose="020B0604020202020204" pitchFamily="34" charset="0"/>
+            </a:endParaRPr>
+          </a:p>
+          <a:p>
+            <a:pPr marL="285750" marR="0" lvl="0" indent="-285750" algn="l" defTabSz="914400" rtl="0" eaLnBrk="0" fontAlgn="base" latinLnBrk="0" hangingPunct="0">
+              <a:lnSpc>
+                <a:spcPct val="150000"/>
+              </a:lnSpc>
+              <a:spcBef>
+                <a:spcPct val="0"/>
+              </a:spcBef>
+              <a:spcAft>
+                <a:spcPct val="0"/>
+              </a:spcAft>
+              <a:buClrTx/>
+              <a:buSzTx/>
+              <a:buFont typeface="Wingdings" panose="05000000000000000000" pitchFamily="2" charset="2"/>
+              <a:buChar char="v"/>
+              <a:tabLst/>
+            </a:pPr>
+            <a:r>
+              <a:rPr kumimoji="0" lang="en-US" altLang="en-US" sz="2000" b="0" i="0" u="sng" strike="noStrike" cap="none" normalizeH="0" baseline="0" dirty="0">
+                <a:ln>
+                  <a:noFill/>
+                </a:ln>
+                <a:solidFill>
+                  <a:srgbClr val="FF0000"/>
+                </a:solidFill>
+                <a:effectLst/>
+                <a:latin typeface="Arial" panose="020B0604020202020204" pitchFamily="34" charset="0"/>
+                <a:hlinkClick r:id="rId4">
+                  <a:extLst>
+                    <a:ext uri="{A12FA001-AC4F-418D-AE19-62706E023703}">
+                      <ahyp:hlinkClr xmlns:ahyp="http://schemas.microsoft.com/office/drawing/2018/hyperlinkcolor" val="tx"/>
+                    </a:ext>
+                  </a:extLst>
+                </a:hlinkClick>
+              </a:rPr>
+              <a:t>Notebook link</a:t>
+            </a:r>
+            <a:endParaRPr kumimoji="0" lang="en-US" altLang="en-US" sz="2000" b="0" i="0" u="sng" strike="noStrike" cap="none" normalizeH="0" baseline="0" dirty="0">
+              <a:ln>
+                <a:noFill/>
+              </a:ln>
+              <a:solidFill>
+                <a:srgbClr val="FF0000"/>
+              </a:solidFill>
+              <a:effectLst/>
+              <a:latin typeface="Arial" panose="020B0604020202020204" pitchFamily="34" charset="0"/>
+            </a:endParaRPr>
+          </a:p>
+        </p:txBody>
+      </p:sp>
     </p:spTree>
     <p:extLst>
       <p:ext uri="{BB962C8B-B14F-4D97-AF65-F5344CB8AC3E}">
@@ -29544,24 +29962,6 @@
 </file>
 
 <file path=customXml/item1.xml><?xml version="1.0" encoding="utf-8"?>
-<?mso-contentType ?>
-<FormTemplates xmlns="http://schemas.microsoft.com/sharepoint/v3/contenttype/forms">
-  <Display>DocumentLibraryForm</Display>
-  <Edit>DocumentLibraryForm</Edit>
-  <New>DocumentLibraryForm</New>
-</FormTemplates>
-</file>
-
-<file path=customXml/item2.xml><?xml version="1.0" encoding="utf-8"?>
-<p:properties xmlns:p="http://schemas.microsoft.com/office/2006/metadata/properties" xmlns:xsi="http://www.w3.org/2001/XMLSchema-instance" xmlns:pc="http://schemas.microsoft.com/office/infopath/2007/PartnerControls">
-  <documentManagement>
-    <Status xmlns="71af3243-3dd4-4a8d-8c0d-dd76da1f02a5">Not started</Status>
-    <MediaServiceKeyPoints xmlns="71af3243-3dd4-4a8d-8c0d-dd76da1f02a5" xsi:nil="true"/>
-  </documentManagement>
-</p:properties>
-</file>
-
-<file path=customXml/item3.xml><?xml version="1.0" encoding="utf-8"?>
 <ct:contentTypeSchema xmlns:ct="http://schemas.microsoft.com/office/2006/metadata/contentType" xmlns:ma="http://schemas.microsoft.com/office/2006/metadata/properties/metaAttributes" ct:_="" ma:_="" ma:contentTypeName="Document" ma:contentTypeID="0x01010079F111ED35F8CC479449609E8A0923A6" ma:contentTypeVersion="12" ma:contentTypeDescription="Create a new document." ma:contentTypeScope="" ma:versionID="426e97fa315356fffbdcd9876fe988c2">
   <xsd:schema xmlns:xsd="http://www.w3.org/2001/XMLSchema" xmlns:xs="http://www.w3.org/2001/XMLSchema" xmlns:p="http://schemas.microsoft.com/office/2006/metadata/properties" xmlns:ns2="71af3243-3dd4-4a8d-8c0d-dd76da1f02a5" xmlns:ns3="16c05727-aa75-4e4a-9b5f-8a80a1165891" targetNamespace="http://schemas.microsoft.com/office/2006/metadata/properties" ma:root="true" ma:fieldsID="14b8f0def80e6d70ce3def20c90759ae" ns2:_="" ns3:_="">
     <xsd:import namespace="71af3243-3dd4-4a8d-8c0d-dd76da1f02a5"/>
@@ -29782,25 +30182,25 @@
 </ct:contentTypeSchema>
 </file>
 
-<file path=customXml/itemProps1.xml><?xml version="1.0" encoding="utf-8"?>
-<ds:datastoreItem xmlns:ds="http://schemas.openxmlformats.org/officeDocument/2006/customXml" ds:itemID="{05D99ABA-76CE-4A8E-B5F0-C051B96628DE}">
-  <ds:schemaRefs>
-    <ds:schemaRef ds:uri="http://schemas.microsoft.com/sharepoint/v3/contenttype/forms"/>
-  </ds:schemaRefs>
-</ds:datastoreItem>
+<file path=customXml/item2.xml><?xml version="1.0" encoding="utf-8"?>
+<p:properties xmlns:p="http://schemas.microsoft.com/office/2006/metadata/properties" xmlns:xsi="http://www.w3.org/2001/XMLSchema-instance" xmlns:pc="http://schemas.microsoft.com/office/infopath/2007/PartnerControls">
+  <documentManagement>
+    <Status xmlns="71af3243-3dd4-4a8d-8c0d-dd76da1f02a5">Not started</Status>
+    <MediaServiceKeyPoints xmlns="71af3243-3dd4-4a8d-8c0d-dd76da1f02a5" xsi:nil="true"/>
+  </documentManagement>
+</p:properties>
 </file>
 
-<file path=customXml/itemProps2.xml><?xml version="1.0" encoding="utf-8"?>
-<ds:datastoreItem xmlns:ds="http://schemas.openxmlformats.org/officeDocument/2006/customXml" ds:itemID="{4DEA9014-ED64-4558-B1E1-D03F0EE32BEB}">
-  <ds:schemaRefs>
-    <ds:schemaRef ds:uri="http://schemas.microsoft.com/office/2006/metadata/properties"/>
-    <ds:schemaRef ds:uri="http://schemas.microsoft.com/office/infopath/2007/PartnerControls"/>
-    <ds:schemaRef ds:uri="71af3243-3dd4-4a8d-8c0d-dd76da1f02a5"/>
-  </ds:schemaRefs>
-</ds:datastoreItem>
+<file path=customXml/item3.xml><?xml version="1.0" encoding="utf-8"?>
+<?mso-contentType ?>
+<FormTemplates xmlns="http://schemas.microsoft.com/sharepoint/v3/contenttype/forms">
+  <Display>DocumentLibraryForm</Display>
+  <Edit>DocumentLibraryForm</Edit>
+  <New>DocumentLibraryForm</New>
+</FormTemplates>
 </file>
 
-<file path=customXml/itemProps3.xml><?xml version="1.0" encoding="utf-8"?>
+<file path=customXml/itemProps1.xml><?xml version="1.0" encoding="utf-8"?>
 <ds:datastoreItem xmlns:ds="http://schemas.openxmlformats.org/officeDocument/2006/customXml" ds:itemID="{B19EB750-A6DA-4BE8-B87B-FC499FE73360}">
   <ds:schemaRefs>
     <ds:schemaRef ds:uri="http://schemas.microsoft.com/office/2006/metadata/contentType"/>
@@ -29817,4 +30217,22 @@
     <ds:schemaRef ds:uri="http://schemas.microsoft.com/internal/obd"/>
   </ds:schemaRefs>
 </ds:datastoreItem>
+</file>
+
+<file path=customXml/itemProps2.xml><?xml version="1.0" encoding="utf-8"?>
+<ds:datastoreItem xmlns:ds="http://schemas.openxmlformats.org/officeDocument/2006/customXml" ds:itemID="{4DEA9014-ED64-4558-B1E1-D03F0EE32BEB}">
+  <ds:schemaRefs>
+    <ds:schemaRef ds:uri="http://schemas.microsoft.com/office/2006/metadata/properties"/>
+    <ds:schemaRef ds:uri="http://schemas.microsoft.com/office/infopath/2007/PartnerControls"/>
+    <ds:schemaRef ds:uri="71af3243-3dd4-4a8d-8c0d-dd76da1f02a5"/>
+  </ds:schemaRefs>
+</ds:datastoreItem>
+</file>
+
+<file path=customXml/itemProps3.xml><?xml version="1.0" encoding="utf-8"?>
+<ds:datastoreItem xmlns:ds="http://schemas.openxmlformats.org/officeDocument/2006/customXml" ds:itemID="{05D99ABA-76CE-4A8E-B5F0-C051B96628DE}">
+  <ds:schemaRefs>
+    <ds:schemaRef ds:uri="http://schemas.microsoft.com/sharepoint/v3/contenttype/forms"/>
+  </ds:schemaRefs>
+</ds:datastoreItem>
 </file>